--- a/PPT/PythonMath11-Pandas.pptx
+++ b/PPT/PythonMath11-Pandas.pptx
@@ -3776,13 +3776,6 @@
   <p:clrMapOvr>
     <a:masterClrMapping/>
   </p:clrMapOvr>
-  <p:timing>
-    <p:tnLst>
-      <p:par>
-        <p:cTn id="1" dur="indefinite" restart="never" nodeType="tmRoot"/>
-      </p:par>
-    </p:tnLst>
-  </p:timing>
 </p:sld>
 </file>
 
@@ -3979,13 +3972,6 @@
   <p:clrMapOvr>
     <a:masterClrMapping/>
   </p:clrMapOvr>
-  <p:timing>
-    <p:tnLst>
-      <p:par>
-        <p:cTn id="1" dur="indefinite" restart="never" nodeType="tmRoot"/>
-      </p:par>
-    </p:tnLst>
-  </p:timing>
 </p:sld>
 </file>
 
@@ -4068,7 +4054,7 @@
           <a:p>
             <a:pPr lvl="1"/>
             <a:r>
-              <a:rPr lang="fr-FR" dirty="0" err="1" smtClean="0"/>
+              <a:rPr lang="fr-FR" dirty="0" err="1"/>
               <a:t>dataframe.isnull</a:t>
             </a:r>
             <a:r>
@@ -4093,60 +4079,52 @@
           <a:p>
             <a:pPr lvl="1"/>
             <a:r>
-              <a:rPr lang="fr-FR" sz="1600" dirty="0" err="1"/>
-              <a:t>df.fillna</a:t>
-            </a:r>
-            <a:r>
-              <a:rPr lang="fr-FR" sz="1600" dirty="0"/>
+              <a:rPr lang="fr-FR" dirty="0" err="1"/>
+              <a:t>dataframe.fillna</a:t>
+            </a:r>
+            <a:r>
+              <a:rPr lang="fr-FR" dirty="0"/>
               <a:t>({"</a:t>
             </a:r>
             <a:r>
-              <a:rPr lang="fr-FR" sz="1600" dirty="0" err="1"/>
+              <a:rPr lang="fr-FR" dirty="0" err="1"/>
               <a:t>chol</a:t>
             </a:r>
             <a:r>
-              <a:rPr lang="fr-FR" sz="1600" dirty="0"/>
+              <a:rPr lang="fr-FR" dirty="0"/>
               <a:t>": </a:t>
             </a:r>
             <a:r>
-              <a:rPr lang="fr-FR" sz="1600" dirty="0" err="1"/>
+              <a:rPr lang="fr-FR" dirty="0" err="1"/>
+              <a:t>np.round</a:t>
+            </a:r>
+            <a:r>
+              <a:rPr lang="fr-FR" dirty="0"/>
+              <a:t>(</a:t>
+            </a:r>
+            <a:r>
+              <a:rPr lang="fr-FR" dirty="0" err="1"/>
               <a:t>mean_chol</a:t>
             </a:r>
             <a:r>
-              <a:rPr lang="fr-FR" sz="1600" dirty="0"/>
+              <a:rPr lang="fr-FR" dirty="0"/>
               <a:t> + (</a:t>
             </a:r>
             <a:r>
-              <a:rPr lang="fr-FR" sz="1600" dirty="0" err="1"/>
+              <a:rPr lang="fr-FR" dirty="0" err="1"/>
               <a:t>np.random.rand</a:t>
             </a:r>
             <a:r>
-              <a:rPr lang="fr-FR" sz="1600" dirty="0"/>
+              <a:rPr lang="fr-FR" dirty="0"/>
               <a:t>() - 0.5) * </a:t>
             </a:r>
             <a:r>
-              <a:rPr lang="fr-FR" sz="1600" dirty="0" err="1"/>
+              <a:rPr lang="fr-FR" dirty="0" err="1"/>
               <a:t>std_chol</a:t>
             </a:r>
             <a:r>
-              <a:rPr lang="fr-FR" sz="1600" dirty="0"/>
-              <a:t>}, </a:t>
-            </a:r>
-            <a:r>
-              <a:rPr lang="fr-FR" sz="1600" dirty="0" err="1"/>
-              <a:t>inplace</a:t>
-            </a:r>
-            <a:r>
-              <a:rPr lang="fr-FR" sz="1600" dirty="0"/>
-              <a:t>=</a:t>
-            </a:r>
-            <a:r>
-              <a:rPr lang="fr-FR" sz="1600" dirty="0" err="1"/>
-              <a:t>True</a:t>
-            </a:r>
-            <a:r>
-              <a:rPr lang="fr-FR" sz="1600" dirty="0"/>
-              <a:t>)</a:t>
+              <a:rPr lang="fr-FR" dirty="0"/>
+              <a:t>, 0)})</a:t>
             </a:r>
           </a:p>
         </p:txBody>
@@ -4161,13 +4139,6 @@
   <p:clrMapOvr>
     <a:masterClrMapping/>
   </p:clrMapOvr>
-  <p:timing>
-    <p:tnLst>
-      <p:par>
-        <p:cTn id="1" dur="indefinite" restart="never" nodeType="tmRoot"/>
-      </p:par>
-    </p:tnLst>
-  </p:timing>
 </p:sld>
 </file>
 
@@ -4294,13 +4265,6 @@
   <p:clrMapOvr>
     <a:masterClrMapping/>
   </p:clrMapOvr>
-  <p:timing>
-    <p:tnLst>
-      <p:par>
-        <p:cTn id="1" dur="indefinite" restart="never" nodeType="tmRoot"/>
-      </p:par>
-    </p:tnLst>
-  </p:timing>
 </p:sld>
 </file>
 
@@ -4456,13 +4420,6 @@
   <p:clrMapOvr>
     <a:masterClrMapping/>
   </p:clrMapOvr>
-  <p:timing>
-    <p:tnLst>
-      <p:par>
-        <p:cTn id="1" dur="indefinite" restart="never" nodeType="tmRoot"/>
-      </p:par>
-    </p:tnLst>
-  </p:timing>
 </p:sld>
 </file>
 
@@ -4686,13 +4643,6 @@
   <p:clrMapOvr>
     <a:masterClrMapping/>
   </p:clrMapOvr>
-  <p:timing>
-    <p:tnLst>
-      <p:par>
-        <p:cTn id="1" dur="indefinite" restart="never" nodeType="tmRoot"/>
-      </p:par>
-    </p:tnLst>
-  </p:timing>
 </p:sld>
 </file>
 
@@ -5040,13 +4990,6 @@
   <p:clrMapOvr>
     <a:masterClrMapping/>
   </p:clrMapOvr>
-  <p:timing>
-    <p:tnLst>
-      <p:par>
-        <p:cTn id="1" dur="indefinite" restart="never" nodeType="tmRoot"/>
-      </p:par>
-    </p:tnLst>
-  </p:timing>
 </p:sld>
 </file>
 
@@ -5171,13 +5114,6 @@
   <p:clrMapOvr>
     <a:masterClrMapping/>
   </p:clrMapOvr>
-  <p:timing>
-    <p:tnLst>
-      <p:par>
-        <p:cTn id="1" dur="indefinite" restart="never" nodeType="tmRoot"/>
-      </p:par>
-    </p:tnLst>
-  </p:timing>
 </p:sld>
 </file>
 
@@ -5305,13 +5241,6 @@
   <p:clrMapOvr>
     <a:masterClrMapping/>
   </p:clrMapOvr>
-  <p:timing>
-    <p:tnLst>
-      <p:par>
-        <p:cTn id="1" dur="indefinite" restart="never" nodeType="tmRoot"/>
-      </p:par>
-    </p:tnLst>
-  </p:timing>
 </p:sld>
 </file>
 
@@ -5444,13 +5373,6 @@
   <p:clrMapOvr>
     <a:masterClrMapping/>
   </p:clrMapOvr>
-  <p:timing>
-    <p:tnLst>
-      <p:par>
-        <p:cTn id="1" dur="indefinite" restart="never" nodeType="tmRoot"/>
-      </p:par>
-    </p:tnLst>
-  </p:timing>
 </p:sld>
 </file>
 
@@ -5599,13 +5521,6 @@
   <p:clrMapOvr>
     <a:masterClrMapping/>
   </p:clrMapOvr>
-  <p:timing>
-    <p:tnLst>
-      <p:par>
-        <p:cTn id="1" dur="indefinite" restart="never" nodeType="tmRoot"/>
-      </p:par>
-    </p:tnLst>
-  </p:timing>
 </p:sld>
 </file>
 
